--- a/slides/04 Network Stacks.pptx
+++ b/slides/04 Network Stacks.pptx
@@ -3819,7 +3819,12 @@
             <p:ph type="ctrTitle"/>
           </p:nvPr>
         </p:nvSpPr>
-        <p:spPr/>
+        <p:spPr>
+          <a:xfrm>
+            <a:off x="1600200" y="2390772"/>
+            <a:ext cx="8991600" cy="1645920"/>
+          </a:xfrm>
+        </p:spPr>
         <p:txBody>
           <a:bodyPr/>
           <a:lstStyle/>
